--- a/PresentnFutureAI.pptx
+++ b/PresentnFutureAI.pptx
@@ -246,7 +246,7 @@
           <a:p>
             <a:fld id="{258BFD57-AB0A-470B-A7AF-56DFE7B5174A}" type="datetimeFigureOut">
               <a:rPr lang="en-US" smtClean="0"/>
-              <a:t>11/30/2024</a:t>
+              <a:t>12/2/2024</a:t>
             </a:fld>
             <a:endParaRPr lang="en-US" dirty="0"/>
           </a:p>
@@ -423,7 +423,7 @@
           <a:p>
             <a:fld id="{D4B3339F-6CEA-4641-BE08-40DAFD6FCF25}" type="datetimeFigureOut">
               <a:rPr lang="en-US" smtClean="0"/>
-              <a:t>11/30/2024</a:t>
+              <a:t>12/2/2024</a:t>
             </a:fld>
             <a:endParaRPr lang="en-US" dirty="0"/>
           </a:p>
@@ -10378,12 +10378,21 @@
           <a:p>
             <a:r>
               <a:rPr lang="en-US" dirty="0"/>
-              <a:t>By Joenard </a:t>
+              <a:t>By </a:t>
             </a:r>
             <a:r>
-              <a:rPr lang="en-US" dirty="0" err="1"/>
-              <a:t>armijo</a:t>
+              <a:rPr lang="en-US"/>
+              <a:t>Joenard Armijo</a:t>
             </a:r>
+            <a:br>
+              <a:rPr lang="en-US"/>
+            </a:br>
+            <a:r>
+              <a:rPr lang="en-US"/>
+              <a:t>CS131</a:t>
+            </a:r>
+          </a:p>
+          <a:p>
             <a:endParaRPr lang="en-US" dirty="0"/>
           </a:p>
         </p:txBody>
@@ -11853,13 +11862,13 @@
   <p:clrMapOvr>
     <a:masterClrMapping/>
   </p:clrMapOvr>
-  <mc:AlternateContent xmlns:mc="http://schemas.openxmlformats.org/markup-compatibility/2006">
-    <mc:Choice xmlns:p159="http://schemas.microsoft.com/office/powerpoint/2015/09/main" Requires="p159">
+  <mc:AlternateContent xmlns:mc="http://schemas.openxmlformats.org/markup-compatibility/2006" xmlns:p159="http://schemas.microsoft.com/office/powerpoint/2015/09/main">
+    <mc:Choice Requires="p159">
       <p:transition xmlns:p14="http://schemas.microsoft.com/office/powerpoint/2010/main" spd="slow" p14:dur="2000">
         <p159:morph option="byObject"/>
       </p:transition>
     </mc:Choice>
-    <mc:Fallback>
+    <mc:Fallback xmlns="">
       <p:transition spd="slow">
         <p:fade/>
       </p:transition>
@@ -13233,15 +13242,6 @@
 </file>
 
 <file path=customXml/item1.xml><?xml version="1.0" encoding="utf-8"?>
-<?mso-contentType ?>
-<FormTemplates xmlns="http://schemas.microsoft.com/sharepoint/v3/contenttype/forms">
-  <Display>DocumentLibraryForm</Display>
-  <Edit>DocumentLibraryForm</Edit>
-  <New>DocumentLibraryForm</New>
-</FormTemplates>
-</file>
-
-<file path=customXml/item2.xml><?xml version="1.0" encoding="utf-8"?>
 <p:properties xmlns:p="http://schemas.microsoft.com/office/2006/metadata/properties" xmlns:xsi="http://www.w3.org/2001/XMLSchema-instance" xmlns:pc="http://schemas.microsoft.com/office/infopath/2007/PartnerControls">
   <documentManagement>
     <_ip_UnifiedCompliancePolicyUIAction xmlns="http://schemas.microsoft.com/sharepoint/v3" xsi:nil="true"/>
@@ -13259,6 +13259,15 @@
     <MediaServiceKeyPoints xmlns="71af3243-3dd4-4a8d-8c0d-dd76da1f02a5" xsi:nil="true"/>
   </documentManagement>
 </p:properties>
+</file>
+
+<file path=customXml/item2.xml><?xml version="1.0" encoding="utf-8"?>
+<?mso-contentType ?>
+<FormTemplates xmlns="http://schemas.microsoft.com/sharepoint/v3/contenttype/forms">
+  <Display>DocumentLibraryForm</Display>
+  <Edit>DocumentLibraryForm</Edit>
+  <New>DocumentLibraryForm</New>
+</FormTemplates>
 </file>
 
 <file path=customXml/item3.xml><?xml version="1.0" encoding="utf-8"?>
@@ -13574,14 +13583,6 @@
 </file>
 
 <file path=customXml/itemProps1.xml><?xml version="1.0" encoding="utf-8"?>
-<ds:datastoreItem xmlns:ds="http://schemas.openxmlformats.org/officeDocument/2006/customXml" ds:itemID="{44137456-21FC-4AE2-8A94-BF06CAF2EB9B}">
-  <ds:schemaRefs>
-    <ds:schemaRef ds:uri="http://schemas.microsoft.com/sharepoint/v3/contenttype/forms"/>
-  </ds:schemaRefs>
-</ds:datastoreItem>
-</file>
-
-<file path=customXml/itemProps2.xml><?xml version="1.0" encoding="utf-8"?>
 <ds:datastoreItem xmlns:ds="http://schemas.openxmlformats.org/officeDocument/2006/customXml" ds:itemID="{E305301E-11B3-4B9D-A588-21F3C9809371}">
   <ds:schemaRefs>
     <ds:schemaRef ds:uri="http://schemas.microsoft.com/office/2006/metadata/properties"/>
@@ -13589,6 +13590,14 @@
     <ds:schemaRef ds:uri="http://schemas.microsoft.com/sharepoint/v3"/>
     <ds:schemaRef ds:uri="71af3243-3dd4-4a8d-8c0d-dd76da1f02a5"/>
     <ds:schemaRef ds:uri="230e9df3-be65-4c73-a93b-d1236ebd677e"/>
+  </ds:schemaRefs>
+</ds:datastoreItem>
+</file>
+
+<file path=customXml/itemProps2.xml><?xml version="1.0" encoding="utf-8"?>
+<ds:datastoreItem xmlns:ds="http://schemas.openxmlformats.org/officeDocument/2006/customXml" ds:itemID="{44137456-21FC-4AE2-8A94-BF06CAF2EB9B}">
+  <ds:schemaRefs>
+    <ds:schemaRef ds:uri="http://schemas.microsoft.com/sharepoint/v3/contenttype/forms"/>
   </ds:schemaRefs>
 </ds:datastoreItem>
 </file>
